--- a/Document/4_수정중/Software Requirements Specification (1번).pptx
+++ b/Document/4_수정중/Software Requirements Specification (1번).pptx
@@ -20653,7 +20653,7 @@
         </p:nvGraphicFramePr>
         <p:xfrm>
           <a:off x="611200" y="1249062"/>
-          <a:ext cx="7921600" cy="6550199"/>
+          <a:ext cx="7921600" cy="6550262"/>
         </p:xfrm>
         <a:graphic>
           <a:graphicData uri="http://schemas.openxmlformats.org/drawingml/2006/table">

--- a/Document/4_수정중/Software Requirements Specification (1번).pptx
+++ b/Document/4_수정중/Software Requirements Specification (1번).pptx
@@ -29816,14 +29816,14 @@
           <p:nvPr>
             <p:extLst>
               <p:ext uri="{D42A27DB-BD31-4B8C-83A1-F6EECF244321}">
-                <p14:modId xmlns:p14="http://schemas.microsoft.com/office/powerpoint/2010/main" val="488377190"/>
+                <p14:modId xmlns:p14="http://schemas.microsoft.com/office/powerpoint/2010/main" val="1941737907"/>
               </p:ext>
             </p:extLst>
           </p:nvPr>
         </p:nvGraphicFramePr>
         <p:xfrm>
           <a:off x="611187" y="1268413"/>
-          <a:ext cx="7921600" cy="5205979"/>
+          <a:ext cx="7921600" cy="5206042"/>
         </p:xfrm>
         <a:graphic>
           <a:graphicData uri="http://schemas.openxmlformats.org/drawingml/2006/table">
@@ -31117,170 +31117,19 @@
                           <a:cs typeface="Malgun Gothic"/>
                           <a:sym typeface="Malgun Gothic"/>
                         </a:rPr>
-                        <a:t>장소를</a:t>
-                      </a:r>
-                      <a:r>
-                        <a:rPr lang="en-US" sz="1100" b="0" i="0" u="none" strike="noStrike" cap="none" dirty="0">
-                          <a:solidFill>
-                            <a:schemeClr val="dk1"/>
-                          </a:solidFill>
-                          <a:latin typeface="Malgun Gothic"/>
-                          <a:ea typeface="Malgun Gothic"/>
-                          <a:cs typeface="Malgun Gothic"/>
-                          <a:sym typeface="Malgun Gothic"/>
-                        </a:rPr>
-                        <a:t> </a:t>
-                      </a:r>
-                      <a:r>
-                        <a:rPr lang="en-US" sz="1100" b="0" i="0" u="none" strike="noStrike" cap="none" dirty="0" err="1">
-                          <a:solidFill>
-                            <a:schemeClr val="dk1"/>
-                          </a:solidFill>
-                          <a:latin typeface="Malgun Gothic"/>
-                          <a:ea typeface="Malgun Gothic"/>
-                          <a:cs typeface="Malgun Gothic"/>
-                          <a:sym typeface="Malgun Gothic"/>
-                        </a:rPr>
-                        <a:t>선택하거나</a:t>
-                      </a:r>
-                      <a:r>
-                        <a:rPr lang="en-US" sz="1100" b="0" i="0" u="none" strike="noStrike" cap="none" dirty="0">
-                          <a:solidFill>
-                            <a:schemeClr val="dk1"/>
-                          </a:solidFill>
-                          <a:latin typeface="Malgun Gothic"/>
-                          <a:ea typeface="Malgun Gothic"/>
-                          <a:cs typeface="Malgun Gothic"/>
-                          <a:sym typeface="Malgun Gothic"/>
-                        </a:rPr>
-                        <a:t>    </a:t>
-                      </a:r>
-                    </a:p>
-                    <a:p>
-                      <a:pPr marL="176212" marR="0" lvl="0" indent="0" algn="just" rtl="0">
-                        <a:lnSpc>
-                          <a:spcPct val="150000"/>
-                        </a:lnSpc>
-                        <a:spcBef>
-                          <a:spcPts val="0"/>
-                        </a:spcBef>
-                        <a:spcAft>
-                          <a:spcPts val="0"/>
-                        </a:spcAft>
-                        <a:buClr>
-                          <a:srgbClr val="0000FF"/>
-                        </a:buClr>
-                        <a:buSzPts val="1000"/>
-                        <a:buFont typeface="Malgun Gothic"/>
-                        <a:buNone/>
-                      </a:pPr>
-                      <a:r>
-                        <a:rPr lang="en-US" sz="1100" b="0" i="0" u="none" strike="noStrike" cap="none" dirty="0">
-                          <a:solidFill>
-                            <a:schemeClr val="dk1"/>
-                          </a:solidFill>
-                          <a:latin typeface="Malgun Gothic"/>
-                          <a:ea typeface="Malgun Gothic"/>
-                          <a:cs typeface="Malgun Gothic"/>
-                          <a:sym typeface="Malgun Gothic"/>
-                        </a:rPr>
-                        <a:t>     </a:t>
-                      </a:r>
-                      <a:r>
-                        <a:rPr lang="en-US" sz="1100" u="none" strike="noStrike" cap="none" dirty="0" err="1">
-                          <a:solidFill>
-                            <a:schemeClr val="dk1"/>
-                          </a:solidFill>
-                          <a:latin typeface="Malgun Gothic"/>
-                          <a:ea typeface="Malgun Gothic"/>
-                          <a:cs typeface="Malgun Gothic"/>
-                          <a:sym typeface="Malgun Gothic"/>
-                        </a:rPr>
-                        <a:t>추천</a:t>
-                      </a:r>
-                      <a:r>
-                        <a:rPr lang="en-US" sz="1100" u="none" strike="noStrike" cap="none" dirty="0">
-                          <a:solidFill>
-                            <a:schemeClr val="dk1"/>
-                          </a:solidFill>
-                          <a:latin typeface="Malgun Gothic"/>
-                          <a:ea typeface="Malgun Gothic"/>
-                          <a:cs typeface="Malgun Gothic"/>
-                          <a:sym typeface="Malgun Gothic"/>
-                        </a:rPr>
-                        <a:t> </a:t>
-                      </a:r>
-                      <a:r>
-                        <a:rPr lang="en-US" sz="1100" u="none" strike="noStrike" cap="none" dirty="0" err="1">
-                          <a:solidFill>
-                            <a:schemeClr val="dk1"/>
-                          </a:solidFill>
-                          <a:latin typeface="Malgun Gothic"/>
-                          <a:ea typeface="Malgun Gothic"/>
-                          <a:cs typeface="Malgun Gothic"/>
-                          <a:sym typeface="Malgun Gothic"/>
-                        </a:rPr>
-                        <a:t>받지</a:t>
-                      </a:r>
-                      <a:r>
-                        <a:rPr lang="en-US" sz="1100" u="none" strike="noStrike" cap="none" dirty="0">
-                          <a:solidFill>
-                            <a:schemeClr val="dk1"/>
-                          </a:solidFill>
-                          <a:latin typeface="Malgun Gothic"/>
-                          <a:ea typeface="Malgun Gothic"/>
-                          <a:cs typeface="Malgun Gothic"/>
-                          <a:sym typeface="Malgun Gothic"/>
-                        </a:rPr>
-                        <a:t> </a:t>
-                      </a:r>
-                      <a:r>
-                        <a:rPr lang="en-US" sz="1100" u="none" strike="noStrike" cap="none" dirty="0" err="1">
-                          <a:solidFill>
-                            <a:schemeClr val="dk1"/>
-                          </a:solidFill>
-                          <a:latin typeface="Malgun Gothic"/>
-                          <a:ea typeface="Malgun Gothic"/>
-                          <a:cs typeface="Malgun Gothic"/>
-                          <a:sym typeface="Malgun Gothic"/>
-                        </a:rPr>
-                        <a:t>않은</a:t>
-                      </a:r>
-                      <a:r>
-                        <a:rPr lang="en-US" sz="1100" u="none" strike="noStrike" cap="none" dirty="0">
-                          <a:solidFill>
-                            <a:schemeClr val="dk1"/>
-                          </a:solidFill>
-                          <a:latin typeface="Malgun Gothic"/>
-                          <a:ea typeface="Malgun Gothic"/>
-                          <a:cs typeface="Malgun Gothic"/>
-                          <a:sym typeface="Malgun Gothic"/>
-                        </a:rPr>
-                        <a:t> </a:t>
-                      </a:r>
-                      <a:r>
-                        <a:rPr lang="en-US" sz="1100" u="none" strike="noStrike" cap="none" dirty="0" err="1">
-                          <a:solidFill>
-                            <a:schemeClr val="dk1"/>
-                          </a:solidFill>
-                          <a:latin typeface="Malgun Gothic"/>
-                          <a:ea typeface="Malgun Gothic"/>
-                          <a:cs typeface="Malgun Gothic"/>
-                          <a:sym typeface="Malgun Gothic"/>
-                        </a:rPr>
-                        <a:t>장소를</a:t>
-                      </a:r>
-                      <a:r>
-                        <a:rPr lang="en-US" sz="1100" u="none" strike="noStrike" cap="none" dirty="0">
-                          <a:solidFill>
-                            <a:schemeClr val="dk1"/>
-                          </a:solidFill>
-                          <a:latin typeface="Malgun Gothic"/>
-                          <a:ea typeface="Malgun Gothic"/>
-                          <a:cs typeface="Malgun Gothic"/>
-                          <a:sym typeface="Malgun Gothic"/>
-                        </a:rPr>
-                        <a:t> </a:t>
+                        <a:t>장소</a:t>
+                      </a:r>
+                      <a:r>
+                        <a:rPr lang="ko-KR" altLang="en-US" sz="1100" b="0" i="0" u="none" strike="noStrike" cap="none" dirty="0">
+                          <a:solidFill>
+                            <a:schemeClr val="dk1"/>
+                          </a:solidFill>
+                          <a:latin typeface="Malgun Gothic"/>
+                          <a:ea typeface="Malgun Gothic"/>
+                          <a:cs typeface="Malgun Gothic"/>
+                          <a:sym typeface="Malgun Gothic"/>
+                        </a:rPr>
+                        <a:t>를 </a:t>
                       </a:r>
                       <a:r>
                         <a:rPr lang="en-US" sz="1100" u="none" strike="noStrike" cap="none" dirty="0" err="1">
